--- a/3/충북교육원_교육_과정_3.pptx
+++ b/3/충북교육원_교육_과정_3.pptx
@@ -5,7 +5,7 @@
     <p:sldMasterId id="2147483648" r:id="rId1"/>
   </p:sldMasterIdLst>
   <p:notesMasterIdLst>
-    <p:notesMasterId r:id="rId14"/>
+    <p:notesMasterId r:id="rId15"/>
   </p:notesMasterIdLst>
   <p:sldIdLst>
     <p:sldId id="298" r:id="rId2"/>
@@ -15,11 +15,12 @@
     <p:sldId id="350" r:id="rId6"/>
     <p:sldId id="346" r:id="rId7"/>
     <p:sldId id="347" r:id="rId8"/>
-    <p:sldId id="348" r:id="rId9"/>
-    <p:sldId id="349" r:id="rId10"/>
-    <p:sldId id="351" r:id="rId11"/>
-    <p:sldId id="353" r:id="rId12"/>
-    <p:sldId id="354" r:id="rId13"/>
+    <p:sldId id="355" r:id="rId9"/>
+    <p:sldId id="348" r:id="rId10"/>
+    <p:sldId id="349" r:id="rId11"/>
+    <p:sldId id="351" r:id="rId12"/>
+    <p:sldId id="353" r:id="rId13"/>
+    <p:sldId id="354" r:id="rId14"/>
   </p:sldIdLst>
   <p:sldSz cx="12192000" cy="6858000"/>
   <p:notesSz cx="6858000" cy="9144000"/>
@@ -211,7 +212,7 @@
           <a:p>
             <a:fld id="{BB636023-5D60-41FD-922E-2476211F9506}" type="datetimeFigureOut">
               <a:rPr lang="ko-KR" altLang="en-US" smtClean="0"/>
-              <a:t>2022-12-02</a:t>
+              <a:t>2023-01-12</a:t>
             </a:fld>
             <a:endParaRPr lang="ko-KR" altLang="en-US"/>
           </a:p>
@@ -607,7 +608,7 @@
           <a:p>
             <a:fld id="{1A0E0E8B-8F38-4466-9781-7E30DABD28DD}" type="datetimeFigureOut">
               <a:rPr lang="ko-KR" altLang="en-US" smtClean="0"/>
-              <a:t>2022-12-02</a:t>
+              <a:t>2023-01-12</a:t>
             </a:fld>
             <a:endParaRPr lang="ko-KR" altLang="en-US"/>
           </a:p>
@@ -864,7 +865,7 @@
           <a:p>
             <a:fld id="{1A0E0E8B-8F38-4466-9781-7E30DABD28DD}" type="datetimeFigureOut">
               <a:rPr lang="ko-KR" altLang="en-US" smtClean="0"/>
-              <a:t>2022-12-02</a:t>
+              <a:t>2023-01-12</a:t>
             </a:fld>
             <a:endParaRPr lang="ko-KR" altLang="en-US"/>
           </a:p>
@@ -1277,7 +1278,7 @@
           <a:blip r:embed="rId2">
             <a:extLst>
               <a:ext uri="{96DAC541-7B7A-43D3-8B79-37D633B846F1}">
-                <asvg:svgBlip xmlns:asvg="http://schemas.microsoft.com/office/drawing/2016/SVG/main" r:embed="rId3"/>
+                <asvg:svgBlip xmlns:asvg="http://schemas.microsoft.com/office/drawing/2016/SVG/main" xmlns="" r:embed="rId3"/>
               </a:ext>
             </a:extLst>
           </a:blip>
@@ -1490,7 +1491,7 @@
           <a:p>
             <a:pPr algn="ctr"/>
             <a:r>
-              <a:rPr lang="ko-KR" altLang="en-US" sz="1400" b="1" dirty="0"/>
+              <a:rPr lang="ko-KR" altLang="en-US" sz="1200" dirty="0"/>
               <a:t>프로젝트 관리 시스템</a:t>
             </a:r>
           </a:p>
@@ -1498,31 +1499,89 @@
       </p:sp>
       <p:pic>
         <p:nvPicPr>
-          <p:cNvPr id="3" name="그림 2"/>
+          <p:cNvPr id="2050" name="Picture 2" descr="The content is described above."/>
           <p:cNvPicPr>
-            <a:picLocks noChangeAspect="1"/>
+            <a:picLocks noChangeAspect="1" noChangeArrowheads="1"/>
           </p:cNvPicPr>
           <p:nvPr/>
         </p:nvPicPr>
         <p:blipFill>
-          <a:blip r:embed="rId2"/>
+          <a:blip r:embed="rId2">
+            <a:extLst>
+              <a:ext uri="{28A0092B-C50C-407E-A947-70E740481C1C}">
+                <a14:useLocalDpi xmlns:a14="http://schemas.microsoft.com/office/drawing/2010/main" val="0"/>
+              </a:ext>
+            </a:extLst>
+          </a:blip>
+          <a:srcRect/>
           <a:stretch>
             <a:fillRect/>
           </a:stretch>
         </p:blipFill>
-        <p:spPr>
-          <a:xfrm>
-            <a:off x="1183229" y="1828799"/>
-            <a:ext cx="8098692" cy="4475748"/>
-          </a:xfrm>
-          <a:prstGeom prst="rect">
-            <a:avLst/>
-          </a:prstGeom>
+        <p:spPr bwMode="auto">
+          <a:xfrm>
+            <a:off x="514871" y="1535792"/>
+            <a:ext cx="5464208" cy="2935243"/>
+          </a:xfrm>
+          <a:prstGeom prst="rect">
+            <a:avLst/>
+          </a:prstGeom>
+          <a:noFill/>
+          <a:extLst>
+            <a:ext uri="{909E8E84-426E-40DD-AFC4-6F175D3DCCD1}">
+              <a14:hiddenFill xmlns:a14="http://schemas.microsoft.com/office/drawing/2010/main">
+                <a:solidFill>
+                  <a:srgbClr val="FFFFFF"/>
+                </a:solidFill>
+              </a14:hiddenFill>
+            </a:ext>
+          </a:extLst>
         </p:spPr>
       </p:pic>
-      <p:sp>
-        <p:nvSpPr>
-          <p:cNvPr id="6" name="TextBox 5"/>
+      <p:pic>
+        <p:nvPicPr>
+          <p:cNvPr id="2052" name="Picture 4" descr="The content is described above."/>
+          <p:cNvPicPr>
+            <a:picLocks noChangeAspect="1" noChangeArrowheads="1"/>
+          </p:cNvPicPr>
+          <p:nvPr/>
+        </p:nvPicPr>
+        <p:blipFill>
+          <a:blip r:embed="rId3">
+            <a:extLst>
+              <a:ext uri="{28A0092B-C50C-407E-A947-70E740481C1C}">
+                <a14:useLocalDpi xmlns:a14="http://schemas.microsoft.com/office/drawing/2010/main" val="0"/>
+              </a:ext>
+            </a:extLst>
+          </a:blip>
+          <a:srcRect/>
+          <a:stretch>
+            <a:fillRect/>
+          </a:stretch>
+        </p:blipFill>
+        <p:spPr bwMode="auto">
+          <a:xfrm>
+            <a:off x="4966636" y="2721410"/>
+            <a:ext cx="6172467" cy="3499250"/>
+          </a:xfrm>
+          <a:prstGeom prst="rect">
+            <a:avLst/>
+          </a:prstGeom>
+          <a:noFill/>
+          <a:extLst>
+            <a:ext uri="{909E8E84-426E-40DD-AFC4-6F175D3DCCD1}">
+              <a14:hiddenFill xmlns:a14="http://schemas.microsoft.com/office/drawing/2010/main">
+                <a:solidFill>
+                  <a:srgbClr val="FFFFFF"/>
+                </a:solidFill>
+              </a14:hiddenFill>
+            </a:ext>
+          </a:extLst>
+        </p:spPr>
+      </p:pic>
+      <p:sp>
+        <p:nvSpPr>
+          <p:cNvPr id="8" name="TextBox 7"/>
           <p:cNvSpPr txBox="1"/>
           <p:nvPr/>
         </p:nvSpPr>
@@ -1549,47 +1608,10 @@
           </a:p>
         </p:txBody>
       </p:sp>
-      <p:sp>
-        <p:nvSpPr>
-          <p:cNvPr id="7" name="TextBox 6"/>
-          <p:cNvSpPr txBox="1"/>
-          <p:nvPr/>
-        </p:nvSpPr>
-        <p:spPr>
-          <a:xfrm>
-            <a:off x="9026470" y="1828799"/>
-            <a:ext cx="1901483" cy="369332"/>
-          </a:xfrm>
-          <a:prstGeom prst="rect">
-            <a:avLst/>
-          </a:prstGeom>
-          <a:noFill/>
-        </p:spPr>
-        <p:txBody>
-          <a:bodyPr wrap="none" rtlCol="0">
-            <a:spAutoFit/>
-          </a:bodyPr>
-          <a:lstStyle/>
-          <a:p>
-            <a:r>
-              <a:rPr lang="en-US" altLang="ko-KR" b="1" dirty="0"/>
-              <a:t>OCI </a:t>
-            </a:r>
-            <a:r>
-              <a:rPr lang="ko-KR" altLang="en-US" b="1" dirty="0" err="1"/>
-              <a:t>모델러</a:t>
-            </a:r>
-            <a:r>
-              <a:rPr lang="ko-KR" altLang="en-US" b="1" dirty="0"/>
-              <a:t> 제공</a:t>
-            </a:r>
-          </a:p>
-        </p:txBody>
-      </p:sp>
     </p:spTree>
     <p:extLst>
       <p:ext uri="{BB962C8B-B14F-4D97-AF65-F5344CB8AC3E}">
-        <p14:creationId xmlns:p14="http://schemas.microsoft.com/office/powerpoint/2010/main" val="1687013635"/>
+        <p14:creationId xmlns:p14="http://schemas.microsoft.com/office/powerpoint/2010/main" val="1814273307"/>
       </p:ext>
     </p:extLst>
   </p:cSld>
@@ -1618,6 +1640,169 @@
       </p:grpSpPr>
       <p:sp>
         <p:nvSpPr>
+          <p:cNvPr id="2" name="직사각형 1"/>
+          <p:cNvSpPr/>
+          <p:nvPr/>
+        </p:nvSpPr>
+        <p:spPr>
+          <a:xfrm>
+            <a:off x="514871" y="667262"/>
+            <a:ext cx="3893389" cy="485285"/>
+          </a:xfrm>
+          <a:prstGeom prst="rect">
+            <a:avLst/>
+          </a:prstGeom>
+        </p:spPr>
+        <p:style>
+          <a:lnRef idx="2">
+            <a:schemeClr val="dk1">
+              <a:shade val="50000"/>
+            </a:schemeClr>
+          </a:lnRef>
+          <a:fillRef idx="1">
+            <a:schemeClr val="dk1"/>
+          </a:fillRef>
+          <a:effectRef idx="0">
+            <a:schemeClr val="dk1"/>
+          </a:effectRef>
+          <a:fontRef idx="minor">
+            <a:schemeClr val="lt1"/>
+          </a:fontRef>
+        </p:style>
+        <p:txBody>
+          <a:bodyPr rtlCol="0" anchor="ctr"/>
+          <a:lstStyle/>
+          <a:p>
+            <a:pPr algn="ctr"/>
+            <a:r>
+              <a:rPr lang="ko-KR" altLang="en-US" sz="1400" b="1" dirty="0"/>
+              <a:t>프로젝트 관리 시스템</a:t>
+            </a:r>
+          </a:p>
+        </p:txBody>
+      </p:sp>
+      <p:pic>
+        <p:nvPicPr>
+          <p:cNvPr id="3" name="그림 2"/>
+          <p:cNvPicPr>
+            <a:picLocks noChangeAspect="1"/>
+          </p:cNvPicPr>
+          <p:nvPr/>
+        </p:nvPicPr>
+        <p:blipFill>
+          <a:blip r:embed="rId2"/>
+          <a:stretch>
+            <a:fillRect/>
+          </a:stretch>
+        </p:blipFill>
+        <p:spPr>
+          <a:xfrm>
+            <a:off x="1183229" y="1828799"/>
+            <a:ext cx="8098692" cy="4475748"/>
+          </a:xfrm>
+          <a:prstGeom prst="rect">
+            <a:avLst/>
+          </a:prstGeom>
+        </p:spPr>
+      </p:pic>
+      <p:sp>
+        <p:nvSpPr>
+          <p:cNvPr id="6" name="TextBox 5"/>
+          <p:cNvSpPr txBox="1"/>
+          <p:nvPr/>
+        </p:nvSpPr>
+        <p:spPr>
+          <a:xfrm>
+            <a:off x="132726" y="130601"/>
+            <a:ext cx="1502334" cy="369332"/>
+          </a:xfrm>
+          <a:prstGeom prst="rect">
+            <a:avLst/>
+          </a:prstGeom>
+          <a:noFill/>
+        </p:spPr>
+        <p:txBody>
+          <a:bodyPr wrap="none" rtlCol="0">
+            <a:spAutoFit/>
+          </a:bodyPr>
+          <a:lstStyle/>
+          <a:p>
+            <a:r>
+              <a:rPr lang="ko-KR" altLang="en-US" b="1" dirty="0"/>
+              <a:t>개념 증명 랩</a:t>
+            </a:r>
+          </a:p>
+        </p:txBody>
+      </p:sp>
+      <p:sp>
+        <p:nvSpPr>
+          <p:cNvPr id="7" name="TextBox 6"/>
+          <p:cNvSpPr txBox="1"/>
+          <p:nvPr/>
+        </p:nvSpPr>
+        <p:spPr>
+          <a:xfrm>
+            <a:off x="9026470" y="1828799"/>
+            <a:ext cx="1901483" cy="369332"/>
+          </a:xfrm>
+          <a:prstGeom prst="rect">
+            <a:avLst/>
+          </a:prstGeom>
+          <a:noFill/>
+        </p:spPr>
+        <p:txBody>
+          <a:bodyPr wrap="none" rtlCol="0">
+            <a:spAutoFit/>
+          </a:bodyPr>
+          <a:lstStyle/>
+          <a:p>
+            <a:r>
+              <a:rPr lang="en-US" altLang="ko-KR" b="1" dirty="0"/>
+              <a:t>OCI </a:t>
+            </a:r>
+            <a:r>
+              <a:rPr lang="ko-KR" altLang="en-US" b="1" dirty="0" err="1"/>
+              <a:t>모델러</a:t>
+            </a:r>
+            <a:r>
+              <a:rPr lang="ko-KR" altLang="en-US" b="1" dirty="0"/>
+              <a:t> 제공</a:t>
+            </a:r>
+          </a:p>
+        </p:txBody>
+      </p:sp>
+    </p:spTree>
+    <p:extLst>
+      <p:ext uri="{BB962C8B-B14F-4D97-AF65-F5344CB8AC3E}">
+        <p14:creationId xmlns:p14="http://schemas.microsoft.com/office/powerpoint/2010/main" val="1687013635"/>
+      </p:ext>
+    </p:extLst>
+  </p:cSld>
+  <p:clrMapOvr>
+    <a:masterClrMapping/>
+  </p:clrMapOvr>
+</p:sld>
+</file>
+
+<file path=ppt/slides/slide12.xml><?xml version="1.0" encoding="utf-8"?>
+<p:sld xmlns:a="http://schemas.openxmlformats.org/drawingml/2006/main" xmlns:r="http://schemas.openxmlformats.org/officeDocument/2006/relationships" xmlns:p="http://schemas.openxmlformats.org/presentationml/2006/main">
+  <p:cSld>
+    <p:spTree>
+      <p:nvGrpSpPr>
+        <p:cNvPr id="1" name=""/>
+        <p:cNvGrpSpPr/>
+        <p:nvPr/>
+      </p:nvGrpSpPr>
+      <p:grpSpPr>
+        <a:xfrm>
+          <a:off x="0" y="0"/>
+          <a:ext cx="0" cy="0"/>
+          <a:chOff x="0" y="0"/>
+          <a:chExt cx="0" cy="0"/>
+        </a:xfrm>
+      </p:grpSpPr>
+      <p:sp>
+        <p:nvSpPr>
           <p:cNvPr id="3" name="TextBox 2"/>
           <p:cNvSpPr txBox="1"/>
           <p:nvPr/>
@@ -1682,7 +1867,7 @@
 </p:sld>
 </file>
 
-<file path=ppt/slides/slide12.xml><?xml version="1.0" encoding="utf-8"?>
+<file path=ppt/slides/slide13.xml><?xml version="1.0" encoding="utf-8"?>
 <p:sld xmlns:a="http://schemas.openxmlformats.org/drawingml/2006/main" xmlns:r="http://schemas.openxmlformats.org/officeDocument/2006/relationships" xmlns:p="http://schemas.openxmlformats.org/presentationml/2006/main">
   <p:cSld>
     <p:spTree>
@@ -2642,6 +2827,64 @@
           </a:p>
         </p:txBody>
       </p:sp>
+      <p:sp>
+        <p:nvSpPr>
+          <p:cNvPr id="6" name="직사각형 5"/>
+          <p:cNvSpPr/>
+          <p:nvPr/>
+        </p:nvSpPr>
+        <p:spPr>
+          <a:xfrm>
+            <a:off x="5236630" y="3244334"/>
+            <a:ext cx="1718740" cy="369332"/>
+          </a:xfrm>
+          <a:prstGeom prst="rect">
+            <a:avLst/>
+          </a:prstGeom>
+        </p:spPr>
+        <p:txBody>
+          <a:bodyPr wrap="none">
+            <a:spAutoFit/>
+          </a:bodyPr>
+          <a:lstStyle/>
+          <a:p>
+            <a:r>
+              <a:rPr lang="en-US" altLang="ko-KR" dirty="0" err="1">
+                <a:solidFill>
+                  <a:srgbClr val="F8F8F2"/>
+                </a:solidFill>
+                <a:latin typeface="Consolas" panose="020B0609020204030204" pitchFamily="49" charset="0"/>
+              </a:rPr>
+              <a:t>vw</a:t>
+            </a:r>
+            <a:r>
+              <a:rPr lang="en-US" altLang="ko-KR" dirty="0">
+                <a:solidFill>
+                  <a:srgbClr val="F8F8F2"/>
+                </a:solidFill>
+                <a:latin typeface="Consolas" panose="020B0609020204030204" pitchFamily="49" charset="0"/>
+              </a:rPr>
+              <a:t>_</a:t>
+            </a:r>
+            <a:r>
+              <a:rPr lang="ko-KR" altLang="en-US" dirty="0" err="1">
+                <a:solidFill>
+                  <a:srgbClr val="F8F8F2"/>
+                </a:solidFill>
+                <a:latin typeface="Consolas" panose="020B0609020204030204" pitchFamily="49" charset="0"/>
+              </a:rPr>
+              <a:t>충북연구원</a:t>
+            </a:r>
+            <a:endParaRPr lang="ko-KR" altLang="en-US" b="0" dirty="0">
+              <a:solidFill>
+                <a:srgbClr val="F8F8F2"/>
+              </a:solidFill>
+              <a:effectLst/>
+              <a:latin typeface="Consolas" panose="020B0609020204030204" pitchFamily="49" charset="0"/>
+            </a:endParaRPr>
+          </a:p>
+        </p:txBody>
+      </p:sp>
     </p:spTree>
     <p:extLst>
       <p:ext uri="{BB962C8B-B14F-4D97-AF65-F5344CB8AC3E}">
@@ -2672,9 +2915,201 @@
           <a:chExt cx="0" cy="0"/>
         </a:xfrm>
       </p:grpSpPr>
+      <p:sp>
+        <p:nvSpPr>
+          <p:cNvPr id="2" name="직사각형 1"/>
+          <p:cNvSpPr/>
+          <p:nvPr/>
+        </p:nvSpPr>
+        <p:spPr>
+          <a:xfrm>
+            <a:off x="668876" y="3882099"/>
+            <a:ext cx="3893389" cy="485285"/>
+          </a:xfrm>
+          <a:prstGeom prst="rect">
+            <a:avLst/>
+          </a:prstGeom>
+        </p:spPr>
+        <p:style>
+          <a:lnRef idx="2">
+            <a:schemeClr val="dk1">
+              <a:shade val="50000"/>
+            </a:schemeClr>
+          </a:lnRef>
+          <a:fillRef idx="1">
+            <a:schemeClr val="dk1"/>
+          </a:fillRef>
+          <a:effectRef idx="0">
+            <a:schemeClr val="dk1"/>
+          </a:effectRef>
+          <a:fontRef idx="minor">
+            <a:schemeClr val="lt1"/>
+          </a:fontRef>
+        </p:style>
+        <p:txBody>
+          <a:bodyPr rtlCol="0" anchor="ctr"/>
+          <a:lstStyle/>
+          <a:p>
+            <a:pPr algn="ctr"/>
+            <a:r>
+              <a:rPr lang="ko-KR" altLang="en-US" sz="1200" dirty="0" smtClean="0"/>
+              <a:t>시간대별 성별 연령별</a:t>
+            </a:r>
+            <a:endParaRPr lang="ko-KR" altLang="en-US" sz="1200" dirty="0"/>
+          </a:p>
+        </p:txBody>
+      </p:sp>
+      <p:sp>
+        <p:nvSpPr>
+          <p:cNvPr id="3" name="직사각형 2"/>
+          <p:cNvSpPr/>
+          <p:nvPr/>
+        </p:nvSpPr>
+        <p:spPr>
+          <a:xfrm>
+            <a:off x="668876" y="4649484"/>
+            <a:ext cx="2247580" cy="1033935"/>
+          </a:xfrm>
+          <a:prstGeom prst="rect">
+            <a:avLst/>
+          </a:prstGeom>
+        </p:spPr>
+        <p:style>
+          <a:lnRef idx="3">
+            <a:schemeClr val="lt1"/>
+          </a:lnRef>
+          <a:fillRef idx="1">
+            <a:schemeClr val="accent5"/>
+          </a:fillRef>
+          <a:effectRef idx="1">
+            <a:schemeClr val="accent5"/>
+          </a:effectRef>
+          <a:fontRef idx="minor">
+            <a:schemeClr val="lt1"/>
+          </a:fontRef>
+        </p:style>
+        <p:txBody>
+          <a:bodyPr rtlCol="0" anchor="ctr"/>
+          <a:lstStyle/>
+          <a:p>
+            <a:pPr algn="ctr"/>
+            <a:r>
+              <a:rPr lang="en-US" altLang="ko-KR" sz="1200" dirty="0"/>
+              <a:t>(</a:t>
+            </a:r>
+            <a:r>
+              <a:rPr lang="ko-KR" altLang="en-US" sz="1200" dirty="0"/>
+              <a:t>정형</a:t>
+            </a:r>
+            <a:r>
+              <a:rPr lang="en-US" altLang="ko-KR" sz="1200" dirty="0"/>
+              <a:t>) </a:t>
+            </a:r>
+            <a:r>
+              <a:rPr lang="ko-KR" altLang="en-US" sz="1200" dirty="0"/>
+              <a:t>데이터항목정의서</a:t>
+            </a:r>
+            <a:r>
+              <a:rPr lang="en-US" altLang="ko-KR" sz="1200" dirty="0"/>
+              <a:t>_</a:t>
+            </a:r>
+            <a:r>
+              <a:rPr lang="ko-KR" altLang="en-US" sz="1200" dirty="0"/>
+              <a:t>시간대별</a:t>
+            </a:r>
+            <a:r>
+              <a:rPr lang="en-US" altLang="ko-KR" sz="1200" dirty="0"/>
+              <a:t>_</a:t>
+            </a:r>
+            <a:r>
+              <a:rPr lang="ko-KR" altLang="en-US" sz="1200" dirty="0"/>
+              <a:t>성별</a:t>
+            </a:r>
+            <a:r>
+              <a:rPr lang="en-US" altLang="ko-KR" sz="1200" dirty="0"/>
+              <a:t>_</a:t>
+            </a:r>
+            <a:r>
+              <a:rPr lang="ko-KR" altLang="en-US" sz="1200" dirty="0"/>
+              <a:t>연령별</a:t>
+            </a:r>
+            <a:r>
+              <a:rPr lang="en-US" altLang="ko-KR" sz="1200" dirty="0"/>
+              <a:t>_50CELL </a:t>
+            </a:r>
+            <a:r>
+              <a:rPr lang="ko-KR" altLang="en-US" sz="1200" dirty="0"/>
+              <a:t>유동인구 </a:t>
+            </a:r>
+            <a:r>
+              <a:rPr lang="en-US" altLang="ko-KR" sz="1200" dirty="0"/>
+              <a:t>(3)</a:t>
+            </a:r>
+            <a:endParaRPr lang="ko-KR" altLang="en-US" sz="1200" dirty="0"/>
+          </a:p>
+        </p:txBody>
+      </p:sp>
+      <p:sp>
+        <p:nvSpPr>
+          <p:cNvPr id="5" name="직사각형 4"/>
+          <p:cNvSpPr/>
+          <p:nvPr/>
+        </p:nvSpPr>
+        <p:spPr>
+          <a:xfrm>
+            <a:off x="3445979" y="4649483"/>
+            <a:ext cx="1116286" cy="1033935"/>
+          </a:xfrm>
+          <a:prstGeom prst="rect">
+            <a:avLst/>
+          </a:prstGeom>
+        </p:spPr>
+        <p:style>
+          <a:lnRef idx="3">
+            <a:schemeClr val="lt1"/>
+          </a:lnRef>
+          <a:fillRef idx="1">
+            <a:schemeClr val="accent5"/>
+          </a:fillRef>
+          <a:effectRef idx="1">
+            <a:schemeClr val="accent5"/>
+          </a:effectRef>
+          <a:fontRef idx="minor">
+            <a:schemeClr val="lt1"/>
+          </a:fontRef>
+        </p:style>
+        <p:txBody>
+          <a:bodyPr rtlCol="0" anchor="ctr"/>
+          <a:lstStyle/>
+          <a:p>
+            <a:pPr algn="ctr"/>
+            <a:r>
+              <a:rPr lang="ko-KR" altLang="en-US" sz="1200" dirty="0"/>
+              <a:t>행정</a:t>
+            </a:r>
+            <a:r>
+              <a:rPr lang="en-US" altLang="ko-KR" sz="1200" dirty="0"/>
+              <a:t>_</a:t>
+            </a:r>
+            <a:r>
+              <a:rPr lang="ko-KR" altLang="en-US" sz="1200" dirty="0" err="1"/>
+              <a:t>법정동</a:t>
+            </a:r>
+            <a:r>
+              <a:rPr lang="ko-KR" altLang="en-US" sz="1200" dirty="0"/>
+              <a:t> </a:t>
+            </a:r>
+            <a:r>
+              <a:rPr lang="ko-KR" altLang="en-US" sz="1200" dirty="0" err="1"/>
+              <a:t>중심좌표</a:t>
+            </a:r>
+            <a:endParaRPr lang="ko-KR" altLang="en-US" sz="1200" dirty="0"/>
+          </a:p>
+        </p:txBody>
+      </p:sp>
       <p:pic>
         <p:nvPicPr>
-          <p:cNvPr id="2" name="그림 1"/>
+          <p:cNvPr id="7" name="그림 6"/>
           <p:cNvPicPr>
             <a:picLocks noChangeAspect="1"/>
           </p:cNvPicPr>
@@ -2688,24 +3123,89 @@
         </p:blipFill>
         <p:spPr>
           <a:xfrm>
-            <a:off x="119062" y="1624012"/>
-            <a:ext cx="11953875" cy="3609975"/>
+            <a:off x="6451194" y="874144"/>
+            <a:ext cx="4538539" cy="2698884"/>
           </a:xfrm>
           <a:prstGeom prst="rect">
             <a:avLst/>
           </a:prstGeom>
         </p:spPr>
       </p:pic>
-      <p:sp>
-        <p:nvSpPr>
-          <p:cNvPr id="3" name="TextBox 2"/>
+      <p:pic>
+        <p:nvPicPr>
+          <p:cNvPr id="9" name="그림 8"/>
+          <p:cNvPicPr>
+            <a:picLocks noChangeAspect="1"/>
+          </p:cNvPicPr>
+          <p:nvPr/>
+        </p:nvPicPr>
+        <p:blipFill>
+          <a:blip r:embed="rId3"/>
+          <a:stretch>
+            <a:fillRect/>
+          </a:stretch>
+        </p:blipFill>
+        <p:spPr>
+          <a:xfrm>
+            <a:off x="6685145" y="3962339"/>
+            <a:ext cx="4070635" cy="2408222"/>
+          </a:xfrm>
+          <a:prstGeom prst="rect">
+            <a:avLst/>
+          </a:prstGeom>
+        </p:spPr>
+      </p:pic>
+      <p:pic>
+        <p:nvPicPr>
+          <p:cNvPr id="1026" name="Picture 2" descr="Working with CSV files | Fund Recs"/>
+          <p:cNvPicPr>
+            <a:picLocks noChangeAspect="1" noChangeArrowheads="1"/>
+          </p:cNvPicPr>
+          <p:nvPr/>
+        </p:nvPicPr>
+        <p:blipFill>
+          <a:blip r:embed="rId4">
+            <a:extLst>
+              <a:ext uri="{28A0092B-C50C-407E-A947-70E740481C1C}">
+                <a14:useLocalDpi xmlns:a14="http://schemas.microsoft.com/office/drawing/2010/main" val="0"/>
+              </a:ext>
+            </a:extLst>
+          </a:blip>
+          <a:srcRect/>
+          <a:stretch>
+            <a:fillRect/>
+          </a:stretch>
+        </p:blipFill>
+        <p:spPr bwMode="auto">
+          <a:xfrm>
+            <a:off x="1227020" y="944481"/>
+            <a:ext cx="1689436" cy="1689436"/>
+          </a:xfrm>
+          <a:prstGeom prst="rect">
+            <a:avLst/>
+          </a:prstGeom>
+          <a:noFill/>
+          <a:extLst>
+            <a:ext uri="{909E8E84-426E-40DD-AFC4-6F175D3DCCD1}">
+              <a14:hiddenFill xmlns:a14="http://schemas.microsoft.com/office/drawing/2010/main">
+                <a:solidFill>
+                  <a:srgbClr val="FFFFFF"/>
+                </a:solidFill>
+              </a14:hiddenFill>
+            </a:ext>
+          </a:extLst>
+        </p:spPr>
+      </p:pic>
+      <p:sp>
+        <p:nvSpPr>
+          <p:cNvPr id="11" name="TextBox 10"/>
           <p:cNvSpPr txBox="1"/>
           <p:nvPr/>
         </p:nvSpPr>
         <p:spPr>
           <a:xfrm>
             <a:off x="132726" y="130601"/>
-            <a:ext cx="1502334" cy="369332"/>
+            <a:ext cx="1882247" cy="369332"/>
           </a:xfrm>
           <a:prstGeom prst="rect">
             <a:avLst/>
@@ -2719,16 +3219,78 @@
           <a:lstStyle/>
           <a:p>
             <a:r>
+              <a:rPr lang="ko-KR" altLang="en-US" b="1" dirty="0" err="1"/>
+              <a:t>스프레디시트</a:t>
+            </a:r>
+            <a:r>
               <a:rPr lang="ko-KR" altLang="en-US" b="1" dirty="0"/>
-              <a:t>개념 증명 랩</a:t>
-            </a:r>
+              <a:t> 랩</a:t>
+            </a:r>
+          </a:p>
+        </p:txBody>
+      </p:sp>
+      <p:sp>
+        <p:nvSpPr>
+          <p:cNvPr id="6" name="직사각형 5"/>
+          <p:cNvSpPr/>
+          <p:nvPr/>
+        </p:nvSpPr>
+        <p:spPr>
+          <a:xfrm>
+            <a:off x="5236630" y="3244334"/>
+            <a:ext cx="1718740" cy="369332"/>
+          </a:xfrm>
+          <a:prstGeom prst="rect">
+            <a:avLst/>
+          </a:prstGeom>
+        </p:spPr>
+        <p:txBody>
+          <a:bodyPr wrap="none">
+            <a:spAutoFit/>
+          </a:bodyPr>
+          <a:lstStyle/>
+          <a:p>
+            <a:r>
+              <a:rPr lang="en-US" altLang="ko-KR" dirty="0" err="1">
+                <a:solidFill>
+                  <a:srgbClr val="F8F8F2"/>
+                </a:solidFill>
+                <a:latin typeface="Consolas" panose="020B0609020204030204" pitchFamily="49" charset="0"/>
+              </a:rPr>
+              <a:t>vw</a:t>
+            </a:r>
+            <a:r>
+              <a:rPr lang="en-US" altLang="ko-KR" dirty="0">
+                <a:solidFill>
+                  <a:srgbClr val="F8F8F2"/>
+                </a:solidFill>
+                <a:latin typeface="Consolas" panose="020B0609020204030204" pitchFamily="49" charset="0"/>
+              </a:rPr>
+              <a:t>_</a:t>
+            </a:r>
+            <a:r>
+              <a:rPr lang="ko-KR" altLang="en-US" dirty="0" err="1">
+                <a:solidFill>
+                  <a:srgbClr val="F8F8F2"/>
+                </a:solidFill>
+                <a:latin typeface="Consolas" panose="020B0609020204030204" pitchFamily="49" charset="0"/>
+              </a:rPr>
+              <a:t>충북연구원</a:t>
+            </a:r>
+            <a:endParaRPr lang="ko-KR" altLang="en-US" b="0" dirty="0">
+              <a:solidFill>
+                <a:srgbClr val="F8F8F2"/>
+              </a:solidFill>
+              <a:effectLst/>
+              <a:latin typeface="Consolas" panose="020B0609020204030204" pitchFamily="49" charset="0"/>
+            </a:endParaRPr>
           </a:p>
         </p:txBody>
       </p:sp>
     </p:spTree>
     <p:extLst>
       <p:ext uri="{BB962C8B-B14F-4D97-AF65-F5344CB8AC3E}">
-        <p14:creationId xmlns:p14="http://schemas.microsoft.com/office/powerpoint/2010/main" val="4232666242"/>
+        <p14:creationId xmlns:p14="http://schemas.microsoft.com/office/powerpoint/2010/main" val="1404332346"/>
       </p:ext>
     </p:extLst>
   </p:cSld>
@@ -2755,134 +3317,33 @@
           <a:chExt cx="0" cy="0"/>
         </a:xfrm>
       </p:grpSpPr>
-      <p:sp>
-        <p:nvSpPr>
-          <p:cNvPr id="2" name="직사각형 1"/>
-          <p:cNvSpPr/>
-          <p:nvPr/>
-        </p:nvSpPr>
-        <p:spPr>
-          <a:xfrm>
-            <a:off x="514871" y="667262"/>
-            <a:ext cx="3893389" cy="485285"/>
-          </a:xfrm>
-          <a:prstGeom prst="rect">
-            <a:avLst/>
-          </a:prstGeom>
-        </p:spPr>
-        <p:style>
-          <a:lnRef idx="2">
-            <a:schemeClr val="dk1">
-              <a:shade val="50000"/>
-            </a:schemeClr>
-          </a:lnRef>
-          <a:fillRef idx="1">
-            <a:schemeClr val="dk1"/>
-          </a:fillRef>
-          <a:effectRef idx="0">
-            <a:schemeClr val="dk1"/>
-          </a:effectRef>
-          <a:fontRef idx="minor">
-            <a:schemeClr val="lt1"/>
-          </a:fontRef>
-        </p:style>
-        <p:txBody>
-          <a:bodyPr rtlCol="0" anchor="ctr"/>
-          <a:lstStyle/>
-          <a:p>
-            <a:pPr algn="ctr"/>
-            <a:r>
-              <a:rPr lang="ko-KR" altLang="en-US" sz="1200" dirty="0"/>
-              <a:t>프로젝트 관리 시스템</a:t>
-            </a:r>
-          </a:p>
-        </p:txBody>
-      </p:sp>
       <p:pic>
         <p:nvPicPr>
-          <p:cNvPr id="2050" name="Picture 2" descr="The content is described above."/>
+          <p:cNvPr id="2" name="그림 1"/>
           <p:cNvPicPr>
-            <a:picLocks noChangeAspect="1" noChangeArrowheads="1"/>
+            <a:picLocks noChangeAspect="1"/>
           </p:cNvPicPr>
           <p:nvPr/>
         </p:nvPicPr>
         <p:blipFill>
-          <a:blip r:embed="rId2">
-            <a:extLst>
-              <a:ext uri="{28A0092B-C50C-407E-A947-70E740481C1C}">
-                <a14:useLocalDpi xmlns:a14="http://schemas.microsoft.com/office/drawing/2010/main" val="0"/>
-              </a:ext>
-            </a:extLst>
-          </a:blip>
-          <a:srcRect/>
+          <a:blip r:embed="rId2"/>
           <a:stretch>
             <a:fillRect/>
           </a:stretch>
         </p:blipFill>
-        <p:spPr bwMode="auto">
-          <a:xfrm>
-            <a:off x="514871" y="1535792"/>
-            <a:ext cx="5464208" cy="2935243"/>
-          </a:xfrm>
-          <a:prstGeom prst="rect">
-            <a:avLst/>
-          </a:prstGeom>
-          <a:noFill/>
-          <a:extLst>
-            <a:ext uri="{909E8E84-426E-40DD-AFC4-6F175D3DCCD1}">
-              <a14:hiddenFill xmlns:a14="http://schemas.microsoft.com/office/drawing/2010/main">
-                <a:solidFill>
-                  <a:srgbClr val="FFFFFF"/>
-                </a:solidFill>
-              </a14:hiddenFill>
-            </a:ext>
-          </a:extLst>
+        <p:spPr>
+          <a:xfrm>
+            <a:off x="119062" y="1624012"/>
+            <a:ext cx="11953875" cy="3609975"/>
+          </a:xfrm>
+          <a:prstGeom prst="rect">
+            <a:avLst/>
+          </a:prstGeom>
         </p:spPr>
       </p:pic>
-      <p:pic>
-        <p:nvPicPr>
-          <p:cNvPr id="2052" name="Picture 4" descr="The content is described above."/>
-          <p:cNvPicPr>
-            <a:picLocks noChangeAspect="1" noChangeArrowheads="1"/>
-          </p:cNvPicPr>
-          <p:nvPr/>
-        </p:nvPicPr>
-        <p:blipFill>
-          <a:blip r:embed="rId3">
-            <a:extLst>
-              <a:ext uri="{28A0092B-C50C-407E-A947-70E740481C1C}">
-                <a14:useLocalDpi xmlns:a14="http://schemas.microsoft.com/office/drawing/2010/main" val="0"/>
-              </a:ext>
-            </a:extLst>
-          </a:blip>
-          <a:srcRect/>
-          <a:stretch>
-            <a:fillRect/>
-          </a:stretch>
-        </p:blipFill>
-        <p:spPr bwMode="auto">
-          <a:xfrm>
-            <a:off x="4966636" y="2721410"/>
-            <a:ext cx="6172467" cy="3499250"/>
-          </a:xfrm>
-          <a:prstGeom prst="rect">
-            <a:avLst/>
-          </a:prstGeom>
-          <a:noFill/>
-          <a:extLst>
-            <a:ext uri="{909E8E84-426E-40DD-AFC4-6F175D3DCCD1}">
-              <a14:hiddenFill xmlns:a14="http://schemas.microsoft.com/office/drawing/2010/main">
-                <a:solidFill>
-                  <a:srgbClr val="FFFFFF"/>
-                </a:solidFill>
-              </a14:hiddenFill>
-            </a:ext>
-          </a:extLst>
-        </p:spPr>
-      </p:pic>
-      <p:sp>
-        <p:nvSpPr>
-          <p:cNvPr id="8" name="TextBox 7"/>
+      <p:sp>
+        <p:nvSpPr>
+          <p:cNvPr id="3" name="TextBox 2"/>
           <p:cNvSpPr txBox="1"/>
           <p:nvPr/>
         </p:nvSpPr>
@@ -2912,7 +3373,7 @@
     </p:spTree>
     <p:extLst>
       <p:ext uri="{BB962C8B-B14F-4D97-AF65-F5344CB8AC3E}">
-        <p14:creationId xmlns:p14="http://schemas.microsoft.com/office/powerpoint/2010/main" val="1814273307"/>
+        <p14:creationId xmlns:p14="http://schemas.microsoft.com/office/powerpoint/2010/main" val="4232666242"/>
       </p:ext>
     </p:extLst>
   </p:cSld>
